--- a/ADS-Summer2018/Crime Scene Investigation_ Glass identification.pptx
+++ b/ADS-Summer2018/Crime Scene Investigation_ Glass identification.pptx
@@ -17,21 +17,22 @@
     <p:sldId id="262" r:id="rId12"/>
     <p:sldId id="263" r:id="rId13"/>
     <p:sldId id="264" r:id="rId14"/>
+    <p:sldId id="265" r:id="rId15"/>
   </p:sldIdLst>
   <p:sldSz cy="5143500" cx="9144000"/>
   <p:notesSz cx="6858000" cy="9144000"/>
   <p:embeddedFontLst>
     <p:embeddedFont>
       <p:font typeface="Nunito"/>
-      <p:regular r:id="rId15"/>
-      <p:bold r:id="rId16"/>
-      <p:italic r:id="rId17"/>
-      <p:boldItalic r:id="rId18"/>
+      <p:regular r:id="rId16"/>
+      <p:bold r:id="rId17"/>
+      <p:italic r:id="rId18"/>
+      <p:boldItalic r:id="rId19"/>
     </p:embeddedFont>
     <p:embeddedFont>
       <p:font typeface="Maven Pro"/>
-      <p:regular r:id="rId19"/>
-      <p:bold r:id="rId20"/>
+      <p:regular r:id="rId20"/>
+      <p:bold r:id="rId21"/>
     </p:embeddedFont>
   </p:embeddedFontLst>
   <p:defaultTextStyle>
@@ -805,6 +806,105 @@
 </p:notes>
 </file>
 
+<file path=ppt/notesSlides/notesSlide10.xml><?xml version="1.0" encoding="utf-8"?>
+<p:notes xmlns:a="http://schemas.openxmlformats.org/drawingml/2006/main" xmlns:r="http://schemas.openxmlformats.org/officeDocument/2006/relationships" xmlns:mc="http://schemas.openxmlformats.org/markup-compatibility/2006" xmlns:mv="urn:schemas-microsoft-com:mac:vml" xmlns:p="http://schemas.openxmlformats.org/presentationml/2006/main" xmlns:c="http://schemas.openxmlformats.org/drawingml/2006/chart" xmlns:dgm="http://schemas.openxmlformats.org/drawingml/2006/diagram" xmlns:o="urn:schemas-microsoft-com:office:office" xmlns:v="urn:schemas-microsoft-com:vml" xmlns:pvml="urn:schemas-microsoft-com:office:powerpoint" xmlns:com="http://schemas.openxmlformats.org/drawingml/2006/compatibility" xmlns:p14="http://schemas.microsoft.com/office/powerpoint/2010/main" xmlns:p15="http://schemas.microsoft.com/office/powerpoint/2012/main" showMasterPhAnim="0" showMasterSp="0">
+  <p:cSld>
+    <p:spTree>
+      <p:nvGrpSpPr>
+        <p:cNvPr id="326" name="Shape 326"/>
+        <p:cNvGrpSpPr/>
+        <p:nvPr/>
+      </p:nvGrpSpPr>
+      <p:grpSpPr>
+        <a:xfrm>
+          <a:off x="0" y="0"/>
+          <a:ext cx="0" cy="0"/>
+          <a:chOff x="0" y="0"/>
+          <a:chExt cx="0" cy="0"/>
+        </a:xfrm>
+      </p:grpSpPr>
+      <p:sp>
+        <p:nvSpPr>
+          <p:cNvPr id="327" name="Google Shape;327;g3ff7cdc997_1_12:notes"/>
+          <p:cNvSpPr/>
+          <p:nvPr>
+            <p:ph idx="2" type="sldImg"/>
+          </p:nvPr>
+        </p:nvSpPr>
+        <p:spPr>
+          <a:xfrm>
+            <a:off x="381300" y="685800"/>
+            <a:ext cx="6096000" cy="3429000"/>
+          </a:xfrm>
+          <a:custGeom>
+            <a:rect b="b" l="l" r="r" t="t"/>
+            <a:pathLst>
+              <a:path extrusionOk="0" h="120000" w="120000">
+                <a:moveTo>
+                  <a:pt x="0" y="0"/>
+                </a:moveTo>
+                <a:lnTo>
+                  <a:pt x="120000" y="0"/>
+                </a:lnTo>
+                <a:lnTo>
+                  <a:pt x="120000" y="120000"/>
+                </a:lnTo>
+                <a:lnTo>
+                  <a:pt x="0" y="120000"/>
+                </a:lnTo>
+                <a:close/>
+              </a:path>
+            </a:pathLst>
+          </a:custGeom>
+        </p:spPr>
+      </p:sp>
+      <p:sp>
+        <p:nvSpPr>
+          <p:cNvPr id="328" name="Google Shape;328;g3ff7cdc997_1_12:notes"/>
+          <p:cNvSpPr txBox="1"/>
+          <p:nvPr>
+            <p:ph idx="1" type="body"/>
+          </p:nvPr>
+        </p:nvSpPr>
+        <p:spPr>
+          <a:xfrm>
+            <a:off x="685800" y="4343400"/>
+            <a:ext cx="5486400" cy="4114800"/>
+          </a:xfrm>
+          <a:prstGeom prst="rect">
+            <a:avLst/>
+          </a:prstGeom>
+        </p:spPr>
+        <p:txBody>
+          <a:bodyPr anchorCtr="0" anchor="t" bIns="91425" lIns="91425" spcFirstLastPara="1" rIns="91425" wrap="square" tIns="91425">
+            <a:noAutofit/>
+          </a:bodyPr>
+          <a:lstStyle/>
+          <a:p>
+            <a:pPr indent="0" lvl="0" marL="0">
+              <a:spcBef>
+                <a:spcPts val="0"/>
+              </a:spcBef>
+              <a:spcAft>
+                <a:spcPts val="0"/>
+              </a:spcAft>
+              <a:buNone/>
+            </a:pPr>
+            <a:r>
+              <a:t/>
+            </a:r>
+            <a:endParaRPr/>
+          </a:p>
+        </p:txBody>
+      </p:sp>
+    </p:spTree>
+  </p:cSld>
+  <p:clrMapOvr>
+    <a:masterClrMapping/>
+  </p:clrMapOvr>
+</p:notes>
+</file>
+
 <file path=ppt/notesSlides/notesSlide2.xml><?xml version="1.0" encoding="utf-8"?>
 <p:notes xmlns:a="http://schemas.openxmlformats.org/drawingml/2006/main" xmlns:r="http://schemas.openxmlformats.org/officeDocument/2006/relationships" xmlns:mc="http://schemas.openxmlformats.org/markup-compatibility/2006" xmlns:mv="urn:schemas-microsoft-com:mac:vml" xmlns:p="http://schemas.openxmlformats.org/presentationml/2006/main" xmlns:c="http://schemas.openxmlformats.org/drawingml/2006/chart" xmlns:dgm="http://schemas.openxmlformats.org/drawingml/2006/diagram" xmlns:o="urn:schemas-microsoft-com:office:office" xmlns:v="urn:schemas-microsoft-com:vml" xmlns:pvml="urn:schemas-microsoft-com:office:powerpoint" xmlns:com="http://schemas.openxmlformats.org/drawingml/2006/compatibility" xmlns:p14="http://schemas.microsoft.com/office/powerpoint/2010/main" xmlns:p15="http://schemas.microsoft.com/office/powerpoint/2012/main" showMasterPhAnim="0" showMasterSp="0">
   <p:cSld>
@@ -1220,7 +1320,7 @@
       </p:grpSpPr>
       <p:sp>
         <p:nvSpPr>
-          <p:cNvPr id="303" name="Google Shape;303;g3ff7cdc997_0_275:notes"/>
+          <p:cNvPr id="303" name="Google Shape;303;g3ff7cdc997_1_31:notes"/>
           <p:cNvSpPr/>
           <p:nvPr>
             <p:ph idx="2" type="sldImg"/>
@@ -1255,7 +1355,7 @@
       </p:sp>
       <p:sp>
         <p:nvSpPr>
-          <p:cNvPr id="304" name="Google Shape;304;g3ff7cdc997_0_275:notes"/>
+          <p:cNvPr id="304" name="Google Shape;304;g3ff7cdc997_1_31:notes"/>
           <p:cNvSpPr txBox="1"/>
           <p:nvPr>
             <p:ph idx="1" type="body"/>
@@ -1319,7 +1419,7 @@
       </p:grpSpPr>
       <p:sp>
         <p:nvSpPr>
-          <p:cNvPr id="309" name="Google Shape;309;g3ff7cdc997_1_25:notes"/>
+          <p:cNvPr id="309" name="Google Shape;309;g3ff7cdc997_0_275:notes"/>
           <p:cNvSpPr/>
           <p:nvPr>
             <p:ph idx="2" type="sldImg"/>
@@ -1354,7 +1454,7 @@
       </p:sp>
       <p:sp>
         <p:nvSpPr>
-          <p:cNvPr id="310" name="Google Shape;310;g3ff7cdc997_1_25:notes"/>
+          <p:cNvPr id="310" name="Google Shape;310;g3ff7cdc997_0_275:notes"/>
           <p:cNvSpPr txBox="1"/>
           <p:nvPr>
             <p:ph idx="1" type="body"/>
@@ -1418,7 +1518,7 @@
       </p:grpSpPr>
       <p:sp>
         <p:nvSpPr>
-          <p:cNvPr id="315" name="Google Shape;315;g3ff7cdc997_0_285:notes"/>
+          <p:cNvPr id="315" name="Google Shape;315;g3ff7cdc997_1_25:notes"/>
           <p:cNvSpPr/>
           <p:nvPr>
             <p:ph idx="2" type="sldImg"/>
@@ -1453,7 +1553,7 @@
       </p:sp>
       <p:sp>
         <p:nvSpPr>
-          <p:cNvPr id="316" name="Google Shape;316;g3ff7cdc997_0_285:notes"/>
+          <p:cNvPr id="316" name="Google Shape;316;g3ff7cdc997_1_25:notes"/>
           <p:cNvSpPr txBox="1"/>
           <p:nvPr>
             <p:ph idx="1" type="body"/>
@@ -1517,7 +1617,7 @@
       </p:grpSpPr>
       <p:sp>
         <p:nvSpPr>
-          <p:cNvPr id="321" name="Google Shape;321;g3ff7cdc997_1_12:notes"/>
+          <p:cNvPr id="321" name="Google Shape;321;g3ff7cdc997_0_285:notes"/>
           <p:cNvSpPr/>
           <p:nvPr>
             <p:ph idx="2" type="sldImg"/>
@@ -1552,7 +1652,7 @@
       </p:sp>
       <p:sp>
         <p:nvSpPr>
-          <p:cNvPr id="322" name="Google Shape;322;g3ff7cdc997_1_12:notes"/>
+          <p:cNvPr id="322" name="Google Shape;322;g3ff7cdc997_0_285:notes"/>
           <p:cNvSpPr txBox="1"/>
           <p:nvPr>
             <p:ph idx="1" type="body"/>
@@ -15893,6 +15993,169 @@
 </p:sld>
 </file>
 
+<file path=ppt/slides/slide10.xml><?xml version="1.0" encoding="utf-8"?>
+<p:sld xmlns:a="http://schemas.openxmlformats.org/drawingml/2006/main" xmlns:r="http://schemas.openxmlformats.org/officeDocument/2006/relationships" xmlns:mc="http://schemas.openxmlformats.org/markup-compatibility/2006" xmlns:mv="urn:schemas-microsoft-com:mac:vml" xmlns:p="http://schemas.openxmlformats.org/presentationml/2006/main" xmlns:c="http://schemas.openxmlformats.org/drawingml/2006/chart" xmlns:dgm="http://schemas.openxmlformats.org/drawingml/2006/diagram" xmlns:o="urn:schemas-microsoft-com:office:office" xmlns:v="urn:schemas-microsoft-com:vml" xmlns:pvml="urn:schemas-microsoft-com:office:powerpoint" xmlns:com="http://schemas.openxmlformats.org/drawingml/2006/compatibility" xmlns:p14="http://schemas.microsoft.com/office/powerpoint/2010/main" xmlns:p15="http://schemas.microsoft.com/office/powerpoint/2012/main">
+  <p:cSld>
+    <p:spTree>
+      <p:nvGrpSpPr>
+        <p:cNvPr id="329" name="Shape 329"/>
+        <p:cNvGrpSpPr/>
+        <p:nvPr/>
+      </p:nvGrpSpPr>
+      <p:grpSpPr>
+        <a:xfrm>
+          <a:off x="0" y="0"/>
+          <a:ext cx="0" cy="0"/>
+          <a:chOff x="0" y="0"/>
+          <a:chExt cx="0" cy="0"/>
+        </a:xfrm>
+      </p:grpSpPr>
+      <p:sp>
+        <p:nvSpPr>
+          <p:cNvPr id="330" name="Google Shape;330;p22"/>
+          <p:cNvSpPr txBox="1"/>
+          <p:nvPr>
+            <p:ph type="title"/>
+          </p:nvPr>
+        </p:nvSpPr>
+        <p:spPr>
+          <a:xfrm>
+            <a:off x="1303800" y="598575"/>
+            <a:ext cx="7030500" cy="999300"/>
+          </a:xfrm>
+          <a:prstGeom prst="rect">
+            <a:avLst/>
+          </a:prstGeom>
+        </p:spPr>
+        <p:txBody>
+          <a:bodyPr anchorCtr="0" anchor="t" bIns="91425" lIns="91425" spcFirstLastPara="1" rIns="91425" wrap="square" tIns="91425">
+            <a:noAutofit/>
+          </a:bodyPr>
+          <a:lstStyle/>
+          <a:p>
+            <a:pPr indent="0" lvl="0" marL="0">
+              <a:spcBef>
+                <a:spcPts val="0"/>
+              </a:spcBef>
+              <a:spcAft>
+                <a:spcPts val="0"/>
+              </a:spcAft>
+              <a:buNone/>
+            </a:pPr>
+            <a:r>
+              <a:rPr lang="en"/>
+              <a:t>Computation and Analysis</a:t>
+            </a:r>
+            <a:endParaRPr/>
+          </a:p>
+        </p:txBody>
+      </p:sp>
+      <p:pic>
+        <p:nvPicPr>
+          <p:cNvPr id="331" name="Google Shape;331;p22"/>
+          <p:cNvPicPr preferRelativeResize="0"/>
+          <p:nvPr/>
+        </p:nvPicPr>
+        <p:blipFill>
+          <a:blip r:embed="rId3">
+            <a:alphaModFix/>
+          </a:blip>
+          <a:stretch>
+            <a:fillRect/>
+          </a:stretch>
+        </p:blipFill>
+        <p:spPr>
+          <a:xfrm>
+            <a:off x="2462960" y="2571750"/>
+            <a:ext cx="3981840" cy="2541600"/>
+          </a:xfrm>
+          <a:prstGeom prst="rect">
+            <a:avLst/>
+          </a:prstGeom>
+          <a:noFill/>
+          <a:ln>
+            <a:noFill/>
+          </a:ln>
+        </p:spPr>
+      </p:pic>
+      <p:pic>
+        <p:nvPicPr>
+          <p:cNvPr id="332" name="Google Shape;332;p22"/>
+          <p:cNvPicPr preferRelativeResize="0"/>
+          <p:nvPr/>
+        </p:nvPicPr>
+        <p:blipFill>
+          <a:blip r:embed="rId4">
+            <a:alphaModFix/>
+          </a:blip>
+          <a:stretch>
+            <a:fillRect/>
+          </a:stretch>
+        </p:blipFill>
+        <p:spPr>
+          <a:xfrm>
+            <a:off x="1929075" y="1104050"/>
+            <a:ext cx="5285849" cy="1467700"/>
+          </a:xfrm>
+          <a:prstGeom prst="rect">
+            <a:avLst/>
+          </a:prstGeom>
+          <a:noFill/>
+          <a:ln>
+            <a:noFill/>
+          </a:ln>
+        </p:spPr>
+      </p:pic>
+      <p:sp>
+        <p:nvSpPr>
+          <p:cNvPr id="333" name="Google Shape;333;p22"/>
+          <p:cNvSpPr txBox="1"/>
+          <p:nvPr/>
+        </p:nvSpPr>
+        <p:spPr>
+          <a:xfrm>
+            <a:off x="1437275" y="1104050"/>
+            <a:ext cx="2302800" cy="337500"/>
+          </a:xfrm>
+          <a:prstGeom prst="rect">
+            <a:avLst/>
+          </a:prstGeom>
+          <a:noFill/>
+          <a:ln>
+            <a:noFill/>
+          </a:ln>
+        </p:spPr>
+        <p:txBody>
+          <a:bodyPr anchorCtr="0" anchor="t" bIns="91425" lIns="91425" spcFirstLastPara="1" rIns="91425" wrap="square" tIns="91425">
+            <a:noAutofit/>
+          </a:bodyPr>
+          <a:lstStyle/>
+          <a:p>
+            <a:pPr indent="0" lvl="0" marL="0">
+              <a:spcBef>
+                <a:spcPts val="0"/>
+              </a:spcBef>
+              <a:spcAft>
+                <a:spcPts val="0"/>
+              </a:spcAft>
+              <a:buNone/>
+            </a:pPr>
+            <a:r>
+              <a:rPr lang="en"/>
+              <a:t>Random Forest Classifier</a:t>
+            </a:r>
+            <a:endParaRPr/>
+          </a:p>
+        </p:txBody>
+      </p:sp>
+    </p:spTree>
+  </p:cSld>
+  <p:clrMapOvr>
+    <a:masterClrMapping/>
+  </p:clrMapOvr>
+</p:sld>
+</file>
+
 <file path=ppt/slides/slide2.xml><?xml version="1.0" encoding="utf-8"?>
 <p:sld xmlns:a="http://schemas.openxmlformats.org/drawingml/2006/main" xmlns:r="http://schemas.openxmlformats.org/officeDocument/2006/relationships" xmlns:mc="http://schemas.openxmlformats.org/markup-compatibility/2006" xmlns:mv="urn:schemas-microsoft-com:mac:vml" xmlns:p="http://schemas.openxmlformats.org/presentationml/2006/main" xmlns:c="http://schemas.openxmlformats.org/drawingml/2006/chart" xmlns:dgm="http://schemas.openxmlformats.org/drawingml/2006/diagram" xmlns:o="urn:schemas-microsoft-com:office:office" xmlns:v="urn:schemas-microsoft-com:vml" xmlns:pvml="urn:schemas-microsoft-com:office:powerpoint" xmlns:com="http://schemas.openxmlformats.org/drawingml/2006/compatibility" xmlns:p14="http://schemas.microsoft.com/office/powerpoint/2010/main" xmlns:p15="http://schemas.microsoft.com/office/powerpoint/2012/main">
   <p:cSld>
@@ -16845,7 +17108,7 @@
             </a:pPr>
             <a:r>
               <a:rPr lang="en"/>
-              <a:t>Feature Selection</a:t>
+              <a:t>Correlation</a:t>
             </a:r>
             <a:endParaRPr/>
           </a:p>
@@ -16867,8 +17130,8 @@
         </p:blipFill>
         <p:spPr>
           <a:xfrm>
-            <a:off x="1303800" y="1313100"/>
-            <a:ext cx="5523709" cy="3545625"/>
+            <a:off x="3918500" y="110824"/>
+            <a:ext cx="4827350" cy="4921851"/>
           </a:xfrm>
           <a:prstGeom prst="rect">
             <a:avLst/>
@@ -16938,7 +17201,7 @@
             </a:pPr>
             <a:r>
               <a:rPr lang="en"/>
-              <a:t>Classification</a:t>
+              <a:t>Feature Selection</a:t>
             </a:r>
             <a:endParaRPr/>
           </a:p>
@@ -16960,8 +17223,8 @@
         </p:blipFill>
         <p:spPr>
           <a:xfrm>
-            <a:off x="3845400" y="175375"/>
-            <a:ext cx="5240276" cy="4869124"/>
+            <a:off x="1303800" y="1313100"/>
+            <a:ext cx="5523709" cy="3545625"/>
           </a:xfrm>
           <a:prstGeom prst="rect">
             <a:avLst/>
@@ -17031,103 +17294,40 @@
             </a:pPr>
             <a:r>
               <a:rPr lang="en"/>
-              <a:t>Model Selection	</a:t>
+              <a:t>Classification</a:t>
             </a:r>
             <a:endParaRPr/>
           </a:p>
         </p:txBody>
       </p:sp>
-      <p:sp>
-        <p:nvSpPr>
+      <p:pic>
+        <p:nvPicPr>
           <p:cNvPr id="319" name="Google Shape;319;p20"/>
-          <p:cNvSpPr txBox="1"/>
-          <p:nvPr>
-            <p:ph idx="1" type="body"/>
-          </p:nvPr>
-        </p:nvSpPr>
+          <p:cNvPicPr preferRelativeResize="0"/>
+          <p:nvPr/>
+        </p:nvPicPr>
+        <p:blipFill>
+          <a:blip r:embed="rId3">
+            <a:alphaModFix/>
+          </a:blip>
+          <a:stretch>
+            <a:fillRect/>
+          </a:stretch>
+        </p:blipFill>
         <p:spPr>
           <a:xfrm>
-            <a:off x="1303800" y="1990050"/>
-            <a:ext cx="7030500" cy="2541600"/>
+            <a:off x="3845400" y="175375"/>
+            <a:ext cx="5240276" cy="4869124"/>
           </a:xfrm>
           <a:prstGeom prst="rect">
             <a:avLst/>
           </a:prstGeom>
+          <a:noFill/>
+          <a:ln>
+            <a:noFill/>
+          </a:ln>
         </p:spPr>
-        <p:txBody>
-          <a:bodyPr anchorCtr="0" anchor="t" bIns="91425" lIns="91425" spcFirstLastPara="1" rIns="91425" wrap="square" tIns="91425">
-            <a:noAutofit/>
-          </a:bodyPr>
-          <a:lstStyle/>
-          <a:p>
-            <a:pPr indent="0" lvl="0" marL="0" rtl="0">
-              <a:spcBef>
-                <a:spcPts val="0"/>
-              </a:spcBef>
-              <a:spcAft>
-                <a:spcPts val="0"/>
-              </a:spcAft>
-              <a:buNone/>
-            </a:pPr>
-            <a:r>
-              <a:rPr lang="en"/>
-              <a:t>Cross Validation - train and test groups (80/20)</a:t>
-            </a:r>
-            <a:endParaRPr/>
-          </a:p>
-          <a:p>
-            <a:pPr indent="0" lvl="0" marL="0" rtl="0">
-              <a:spcBef>
-                <a:spcPts val="1600"/>
-              </a:spcBef>
-              <a:spcAft>
-                <a:spcPts val="0"/>
-              </a:spcAft>
-              <a:buNone/>
-            </a:pPr>
-            <a:r>
-              <a:rPr lang="en"/>
-              <a:t>Run data through several </a:t>
-            </a:r>
-            <a:r>
-              <a:rPr lang="en"/>
-              <a:t>algorithms to determine best fit</a:t>
-            </a:r>
-            <a:endParaRPr/>
-          </a:p>
-          <a:p>
-            <a:pPr indent="0" lvl="0" marL="0" rtl="0">
-              <a:spcBef>
-                <a:spcPts val="1600"/>
-              </a:spcBef>
-              <a:spcAft>
-                <a:spcPts val="0"/>
-              </a:spcAft>
-              <a:buNone/>
-            </a:pPr>
-            <a:r>
-              <a:rPr lang="en"/>
-              <a:t> </a:t>
-            </a:r>
-            <a:endParaRPr/>
-          </a:p>
-          <a:p>
-            <a:pPr indent="0" lvl="0" marL="0">
-              <a:spcBef>
-                <a:spcPts val="1600"/>
-              </a:spcBef>
-              <a:spcAft>
-                <a:spcPts val="1600"/>
-              </a:spcAft>
-              <a:buNone/>
-            </a:pPr>
-            <a:r>
-              <a:t/>
-            </a:r>
-            <a:endParaRPr/>
-          </a:p>
-        </p:txBody>
-      </p:sp>
+      </p:pic>
     </p:spTree>
   </p:cSld>
   <p:clrMapOvr>
@@ -17187,86 +17387,28 @@
             </a:pPr>
             <a:r>
               <a:rPr lang="en"/>
-              <a:t>Computation and Analysis</a:t>
+              <a:t>Model Selection	</a:t>
             </a:r>
             <a:endParaRPr/>
           </a:p>
         </p:txBody>
       </p:sp>
-      <p:pic>
-        <p:nvPicPr>
+      <p:sp>
+        <p:nvSpPr>
           <p:cNvPr id="325" name="Google Shape;325;p21"/>
-          <p:cNvPicPr preferRelativeResize="0"/>
-          <p:nvPr/>
-        </p:nvPicPr>
-        <p:blipFill>
-          <a:blip r:embed="rId3">
-            <a:alphaModFix/>
-          </a:blip>
-          <a:stretch>
-            <a:fillRect/>
-          </a:stretch>
-        </p:blipFill>
+          <p:cNvSpPr txBox="1"/>
+          <p:nvPr>
+            <p:ph idx="1" type="body"/>
+          </p:nvPr>
+        </p:nvSpPr>
         <p:spPr>
           <a:xfrm>
-            <a:off x="2462960" y="2571750"/>
-            <a:ext cx="3981840" cy="2541600"/>
+            <a:off x="1303800" y="1990050"/>
+            <a:ext cx="7030500" cy="2541600"/>
           </a:xfrm>
           <a:prstGeom prst="rect">
             <a:avLst/>
           </a:prstGeom>
-          <a:noFill/>
-          <a:ln>
-            <a:noFill/>
-          </a:ln>
-        </p:spPr>
-      </p:pic>
-      <p:pic>
-        <p:nvPicPr>
-          <p:cNvPr id="326" name="Google Shape;326;p21"/>
-          <p:cNvPicPr preferRelativeResize="0"/>
-          <p:nvPr/>
-        </p:nvPicPr>
-        <p:blipFill>
-          <a:blip r:embed="rId4">
-            <a:alphaModFix/>
-          </a:blip>
-          <a:stretch>
-            <a:fillRect/>
-          </a:stretch>
-        </p:blipFill>
-        <p:spPr>
-          <a:xfrm>
-            <a:off x="1929075" y="1104050"/>
-            <a:ext cx="5285849" cy="1467700"/>
-          </a:xfrm>
-          <a:prstGeom prst="rect">
-            <a:avLst/>
-          </a:prstGeom>
-          <a:noFill/>
-          <a:ln>
-            <a:noFill/>
-          </a:ln>
-        </p:spPr>
-      </p:pic>
-      <p:sp>
-        <p:nvSpPr>
-          <p:cNvPr id="327" name="Google Shape;327;p21"/>
-          <p:cNvSpPr txBox="1"/>
-          <p:nvPr/>
-        </p:nvSpPr>
-        <p:spPr>
-          <a:xfrm>
-            <a:off x="1437275" y="1104050"/>
-            <a:ext cx="2302800" cy="337500"/>
-          </a:xfrm>
-          <a:prstGeom prst="rect">
-            <a:avLst/>
-          </a:prstGeom>
-          <a:noFill/>
-          <a:ln>
-            <a:noFill/>
-          </a:ln>
         </p:spPr>
         <p:txBody>
           <a:bodyPr anchorCtr="0" anchor="t" bIns="91425" lIns="91425" spcFirstLastPara="1" rIns="91425" wrap="square" tIns="91425">
@@ -17274,7 +17416,7 @@
           </a:bodyPr>
           <a:lstStyle/>
           <a:p>
-            <a:pPr indent="0" lvl="0" marL="0">
+            <a:pPr indent="0" lvl="0" marL="0" rtl="0">
               <a:spcBef>
                 <a:spcPts val="0"/>
               </a:spcBef>
@@ -17285,7 +17427,58 @@
             </a:pPr>
             <a:r>
               <a:rPr lang="en"/>
-              <a:t>Random Forest Classifier</a:t>
+              <a:t>Cross Validation - train and test groups (80/20)</a:t>
+            </a:r>
+            <a:endParaRPr/>
+          </a:p>
+          <a:p>
+            <a:pPr indent="0" lvl="0" marL="0" rtl="0">
+              <a:spcBef>
+                <a:spcPts val="1600"/>
+              </a:spcBef>
+              <a:spcAft>
+                <a:spcPts val="0"/>
+              </a:spcAft>
+              <a:buNone/>
+            </a:pPr>
+            <a:r>
+              <a:rPr lang="en"/>
+              <a:t>Run data through several </a:t>
+            </a:r>
+            <a:r>
+              <a:rPr lang="en"/>
+              <a:t>algorithms to determine best fit</a:t>
+            </a:r>
+            <a:endParaRPr/>
+          </a:p>
+          <a:p>
+            <a:pPr indent="0" lvl="0" marL="0" rtl="0">
+              <a:spcBef>
+                <a:spcPts val="1600"/>
+              </a:spcBef>
+              <a:spcAft>
+                <a:spcPts val="0"/>
+              </a:spcAft>
+              <a:buNone/>
+            </a:pPr>
+            <a:r>
+              <a:rPr lang="en"/>
+              <a:t> </a:t>
+            </a:r>
+            <a:endParaRPr/>
+          </a:p>
+          <a:p>
+            <a:pPr indent="0" lvl="0" marL="0">
+              <a:spcBef>
+                <a:spcPts val="1600"/>
+              </a:spcBef>
+              <a:spcAft>
+                <a:spcPts val="1600"/>
+              </a:spcAft>
+              <a:buNone/>
+            </a:pPr>
+            <a:r>
+              <a:t/>
             </a:r>
             <a:endParaRPr/>
           </a:p>
